--- a/TEIS Presentation - NSS DA7 - Q3.pptx
+++ b/TEIS Presentation - NSS DA7 - Q3.pptx
@@ -5,7 +5,7 @@
     <p:sldMasterId id="2147483659" r:id="rId1"/>
   </p:sldMasterIdLst>
   <p:notesMasterIdLst>
-    <p:notesMasterId r:id="rId28"/>
+    <p:notesMasterId r:id="rId27"/>
   </p:notesMasterIdLst>
   <p:sldIdLst>
     <p:sldId id="256" r:id="rId2"/>
@@ -24,40 +24,39 @@
     <p:sldId id="269" r:id="rId15"/>
     <p:sldId id="270" r:id="rId16"/>
     <p:sldId id="271" r:id="rId17"/>
-    <p:sldId id="272" r:id="rId18"/>
-    <p:sldId id="273" r:id="rId19"/>
-    <p:sldId id="274" r:id="rId20"/>
-    <p:sldId id="275" r:id="rId21"/>
-    <p:sldId id="276" r:id="rId22"/>
-    <p:sldId id="277" r:id="rId23"/>
-    <p:sldId id="278" r:id="rId24"/>
-    <p:sldId id="279" r:id="rId25"/>
-    <p:sldId id="280" r:id="rId26"/>
-    <p:sldId id="281" r:id="rId27"/>
+    <p:sldId id="273" r:id="rId18"/>
+    <p:sldId id="274" r:id="rId19"/>
+    <p:sldId id="275" r:id="rId20"/>
+    <p:sldId id="276" r:id="rId21"/>
+    <p:sldId id="277" r:id="rId22"/>
+    <p:sldId id="278" r:id="rId23"/>
+    <p:sldId id="279" r:id="rId24"/>
+    <p:sldId id="280" r:id="rId25"/>
+    <p:sldId id="281" r:id="rId26"/>
   </p:sldIdLst>
   <p:sldSz cx="9144000" cy="5143500" type="screen16x9"/>
   <p:notesSz cx="6858000" cy="9144000"/>
   <p:embeddedFontLst>
     <p:embeddedFont>
       <p:font typeface="Lato" panose="020F0502020204030203" pitchFamily="34" charset="0"/>
-      <p:regular r:id="rId29"/>
-      <p:bold r:id="rId30"/>
-      <p:italic r:id="rId31"/>
-      <p:boldItalic r:id="rId32"/>
+      <p:regular r:id="rId28"/>
+      <p:bold r:id="rId29"/>
+      <p:italic r:id="rId30"/>
+      <p:boldItalic r:id="rId31"/>
     </p:embeddedFont>
     <p:embeddedFont>
       <p:font typeface="Montserrat" pitchFamily="2" charset="77"/>
-      <p:regular r:id="rId33"/>
-      <p:bold r:id="rId34"/>
-      <p:italic r:id="rId35"/>
-      <p:boldItalic r:id="rId36"/>
+      <p:regular r:id="rId32"/>
+      <p:bold r:id="rId33"/>
+      <p:italic r:id="rId34"/>
+      <p:boldItalic r:id="rId35"/>
     </p:embeddedFont>
     <p:embeddedFont>
       <p:font typeface="Ubuntu" panose="020B0504030602030204" pitchFamily="34" charset="0"/>
-      <p:regular r:id="rId37"/>
-      <p:bold r:id="rId38"/>
-      <p:italic r:id="rId39"/>
-      <p:boldItalic r:id="rId40"/>
+      <p:regular r:id="rId36"/>
+      <p:bold r:id="rId37"/>
+      <p:italic r:id="rId38"/>
+      <p:boldItalic r:id="rId39"/>
     </p:embeddedFont>
   </p:embeddedFontLst>
   <p:defaultTextStyle>
@@ -1468,6 +1467,62 @@
           </a:bodyPr>
           <a:lstStyle/>
           <a:p>
+            <a:pPr marL="171450" lvl="0" indent="-171450" algn="l" rtl="0">
+              <a:spcBef>
+                <a:spcPts val="0"/>
+              </a:spcBef>
+              <a:spcAft>
+                <a:spcPts val="0"/>
+              </a:spcAft>
+            </a:pPr>
+            <a:r>
+              <a:rPr lang="en-US" dirty="0"/>
+              <a:t>Calculated using the notification date to understand the average age of a child when referred</a:t>
+            </a:r>
+          </a:p>
+          <a:p>
+            <a:pPr marL="628650" lvl="1" indent="-171450" algn="l" rtl="0">
+              <a:spcBef>
+                <a:spcPts val="0"/>
+              </a:spcBef>
+              <a:spcAft>
+                <a:spcPts val="0"/>
+              </a:spcAft>
+            </a:pPr>
+            <a:r>
+              <a:rPr lang="en-US" dirty="0"/>
+              <a:t>Calculated the number of days from DOB to notification date and converted to age in months</a:t>
+            </a:r>
+          </a:p>
+          <a:p>
+            <a:pPr marL="171450" lvl="0" indent="-171450" algn="l" rtl="0">
+              <a:spcBef>
+                <a:spcPts val="0"/>
+              </a:spcBef>
+              <a:spcAft>
+                <a:spcPts val="0"/>
+              </a:spcAft>
+            </a:pPr>
+            <a:r>
+              <a:rPr lang="en-US" dirty="0"/>
+              <a:t>The black line represents the target of 15 months (maximum age of concern)</a:t>
+            </a:r>
+          </a:p>
+          <a:p>
+            <a:pPr marL="171450" lvl="0" indent="-171450" algn="l" rtl="0">
+              <a:spcBef>
+                <a:spcPts val="0"/>
+              </a:spcBef>
+              <a:spcAft>
+                <a:spcPts val="0"/>
+              </a:spcAft>
+            </a:pPr>
+            <a:r>
+              <a:rPr lang="en-US" dirty="0"/>
+              <a:t>4 potential POEs of concern (listed on slide)</a:t>
+            </a:r>
+          </a:p>
+          <a:p>
             <a:pPr marL="0" lvl="0" indent="0" algn="l" rtl="0">
               <a:spcBef>
                 <a:spcPts val="0"/>
@@ -1477,7 +1532,18 @@
               </a:spcAft>
               <a:buNone/>
             </a:pPr>
-            <a:endParaRPr/>
+            <a:endParaRPr lang="en-US" dirty="0"/>
+          </a:p>
+          <a:p>
+            <a:pPr marL="171450" lvl="0" indent="-171450" algn="l" rtl="0">
+              <a:spcBef>
+                <a:spcPts val="0"/>
+              </a:spcBef>
+              <a:spcAft>
+                <a:spcPts val="0"/>
+              </a:spcAft>
+            </a:pPr>
+            <a:endParaRPr dirty="0"/>
           </a:p>
         </p:txBody>
       </p:sp>
@@ -1572,16 +1638,212 @@
           </a:bodyPr>
           <a:lstStyle/>
           <a:p>
-            <a:pPr marL="0" lvl="0" indent="0" algn="l" rtl="0">
-              <a:spcBef>
-                <a:spcPts val="0"/>
-              </a:spcBef>
-              <a:spcAft>
-                <a:spcPts val="0"/>
-              </a:spcAft>
-              <a:buNone/>
+            <a:pPr marL="171450" lvl="0" indent="-171450" algn="l" rtl="0">
+              <a:spcBef>
+                <a:spcPts val="0"/>
+              </a:spcBef>
+              <a:spcAft>
+                <a:spcPts val="0"/>
+              </a:spcAft>
             </a:pPr>
-            <a:endParaRPr/>
+            <a:r>
+              <a:rPr lang="en-US" b="1" dirty="0"/>
+              <a:t>Fig 1 (on the left)</a:t>
+            </a:r>
+          </a:p>
+          <a:p>
+            <a:pPr marL="628650" lvl="1" indent="-171450" algn="l" rtl="0">
+              <a:spcBef>
+                <a:spcPts val="0"/>
+              </a:spcBef>
+              <a:spcAft>
+                <a:spcPts val="0"/>
+              </a:spcAft>
+            </a:pPr>
+            <a:r>
+              <a:rPr lang="en-US" dirty="0"/>
+              <a:t>Represents the percentage of total referrals that resulted in an IFSP broken down by POE</a:t>
+            </a:r>
+          </a:p>
+          <a:p>
+            <a:pPr marL="628650" lvl="1" indent="-171450" algn="l" rtl="0">
+              <a:spcBef>
+                <a:spcPts val="0"/>
+              </a:spcBef>
+              <a:spcAft>
+                <a:spcPts val="0"/>
+              </a:spcAft>
+            </a:pPr>
+            <a:r>
+              <a:rPr lang="en-US" dirty="0"/>
+              <a:t>The black line represents the target percentage of 35%</a:t>
+            </a:r>
+          </a:p>
+          <a:p>
+            <a:pPr marL="628650" lvl="1" indent="-171450" algn="l" rtl="0">
+              <a:spcBef>
+                <a:spcPts val="0"/>
+              </a:spcBef>
+              <a:spcAft>
+                <a:spcPts val="0"/>
+              </a:spcAft>
+            </a:pPr>
+            <a:r>
+              <a:rPr lang="en-US" dirty="0"/>
+              <a:t>2 POEs of potential concern (listed on the slide) fell below 35%</a:t>
+            </a:r>
+          </a:p>
+          <a:p>
+            <a:pPr marL="171450" lvl="0" indent="-171450" algn="l" rtl="0">
+              <a:spcBef>
+                <a:spcPts val="0"/>
+              </a:spcBef>
+              <a:spcAft>
+                <a:spcPts val="0"/>
+              </a:spcAft>
+            </a:pPr>
+            <a:r>
+              <a:rPr lang="en-US" b="1" dirty="0"/>
+              <a:t>Fig 2 (on the right)</a:t>
+            </a:r>
+          </a:p>
+          <a:p>
+            <a:pPr marL="628650" lvl="1" indent="-171450" algn="l" rtl="0">
+              <a:spcBef>
+                <a:spcPts val="0"/>
+              </a:spcBef>
+              <a:spcAft>
+                <a:spcPts val="0"/>
+              </a:spcAft>
+            </a:pPr>
+            <a:r>
+              <a:rPr lang="en-US" dirty="0"/>
+              <a:t>Represents the percentage of all eligible referrals that resulted in an IFSP broken down by POE</a:t>
+            </a:r>
+          </a:p>
+          <a:p>
+            <a:pPr marL="628650" lvl="1" indent="-171450" algn="l" rtl="0">
+              <a:spcBef>
+                <a:spcPts val="0"/>
+              </a:spcBef>
+              <a:spcAft>
+                <a:spcPts val="0"/>
+              </a:spcAft>
+            </a:pPr>
+            <a:r>
+              <a:rPr lang="en-US" dirty="0"/>
+              <a:t>The black line represents the target percentage of 75%</a:t>
+            </a:r>
+          </a:p>
+          <a:p>
+            <a:pPr marL="628650" lvl="1" indent="-171450" algn="l" rtl="0">
+              <a:spcBef>
+                <a:spcPts val="0"/>
+              </a:spcBef>
+              <a:spcAft>
+                <a:spcPts val="0"/>
+              </a:spcAft>
+            </a:pPr>
+            <a:r>
+              <a:rPr lang="en-US" dirty="0"/>
+              <a:t>NO POE’s of concern for this metric</a:t>
+            </a:r>
+          </a:p>
+          <a:p>
+            <a:pPr marL="171450" lvl="0" indent="-171450" algn="l" rtl="0">
+              <a:spcBef>
+                <a:spcPts val="0"/>
+              </a:spcBef>
+              <a:spcAft>
+                <a:spcPts val="0"/>
+              </a:spcAft>
+            </a:pPr>
+            <a:r>
+              <a:rPr lang="en-US" b="1" dirty="0"/>
+              <a:t>Takeaway</a:t>
+            </a:r>
+            <a:r>
+              <a:rPr lang="en-US" b="0" dirty="0"/>
+              <a:t> – </a:t>
+            </a:r>
+          </a:p>
+          <a:p>
+            <a:pPr marL="628650" lvl="1" indent="-171450" algn="l" rtl="0">
+              <a:spcBef>
+                <a:spcPts val="0"/>
+              </a:spcBef>
+              <a:spcAft>
+                <a:spcPts val="0"/>
+              </a:spcAft>
+            </a:pPr>
+            <a:r>
+              <a:rPr lang="en-US" b="0" dirty="0"/>
+              <a:t>Memphis Delta has a higher age of referral and a lower percent of total referrals resulting in an IFSP </a:t>
+            </a:r>
+          </a:p>
+          <a:p>
+            <a:pPr marL="628650" lvl="1" indent="-171450" algn="l" rtl="0">
+              <a:spcBef>
+                <a:spcPts val="0"/>
+              </a:spcBef>
+              <a:spcAft>
+                <a:spcPts val="0"/>
+              </a:spcAft>
+            </a:pPr>
+            <a:r>
+              <a:rPr lang="en-US" b="0" dirty="0"/>
+              <a:t>Eligible children have a higher percentage of resulting in an IFSP. </a:t>
+            </a:r>
+          </a:p>
+          <a:p>
+            <a:pPr marL="628650" lvl="1" indent="-171450" algn="l" rtl="0">
+              <a:spcBef>
+                <a:spcPts val="0"/>
+              </a:spcBef>
+              <a:spcAft>
+                <a:spcPts val="0"/>
+              </a:spcAft>
+            </a:pPr>
+            <a:r>
+              <a:rPr lang="en-US" b="0" dirty="0"/>
+              <a:t>Parental consent/understanding is a critical component in reaching eligibility (extra data of this is available upon request please refer to Michael Norman)</a:t>
+            </a:r>
+          </a:p>
+          <a:p>
+            <a:pPr marL="628650" marR="0" lvl="1" indent="-171450" algn="l" defTabSz="914400" rtl="0" eaLnBrk="1" fontAlgn="auto" latinLnBrk="0" hangingPunct="1">
+              <a:lnSpc>
+                <a:spcPct val="100000"/>
+              </a:lnSpc>
+              <a:spcBef>
+                <a:spcPts val="0"/>
+              </a:spcBef>
+              <a:spcAft>
+                <a:spcPts val="0"/>
+              </a:spcAft>
+              <a:buClr>
+                <a:srgbClr val="000000"/>
+              </a:buClr>
+              <a:buSzPts val="1100"/>
+              <a:buFont typeface="Arial"/>
+              <a:buChar char="○"/>
+              <a:tabLst/>
+              <a:defRPr/>
+            </a:pPr>
+            <a:r>
+              <a:rPr lang="en-US" b="0" dirty="0"/>
+              <a:t>Did not attempt to establish a correlation between the average age of referral and successful referrals, further research is recommended</a:t>
+            </a:r>
+          </a:p>
+          <a:p>
+            <a:pPr marL="628650" lvl="1" indent="-171450" algn="l" rtl="0">
+              <a:spcBef>
+                <a:spcPts val="0"/>
+              </a:spcBef>
+              <a:spcAft>
+                <a:spcPts val="0"/>
+              </a:spcAft>
+            </a:pPr>
+            <a:endParaRPr lang="en-US" b="1" dirty="0"/>
           </a:p>
         </p:txBody>
       </p:sp>
@@ -1594,110 +1856,6 @@
 </file>
 
 <file path=ppt/notesSlides/notesSlide17.xml><?xml version="1.0" encoding="utf-8"?>
-<p:notes xmlns:a="http://schemas.openxmlformats.org/drawingml/2006/main" xmlns:r="http://schemas.openxmlformats.org/officeDocument/2006/relationships" xmlns:p="http://schemas.openxmlformats.org/presentationml/2006/main" showMasterSp="0" showMasterPhAnim="0">
-  <p:cSld>
-    <p:spTree>
-      <p:nvGrpSpPr>
-        <p:cNvPr id="1" name="Shape 235"/>
-        <p:cNvGrpSpPr/>
-        <p:nvPr/>
-      </p:nvGrpSpPr>
-      <p:grpSpPr>
-        <a:xfrm>
-          <a:off x="0" y="0"/>
-          <a:ext cx="0" cy="0"/>
-          <a:chOff x="0" y="0"/>
-          <a:chExt cx="0" cy="0"/>
-        </a:xfrm>
-      </p:grpSpPr>
-      <p:sp>
-        <p:nvSpPr>
-          <p:cNvPr id="236" name="Google Shape;236;g13ce56bca85_0_765:notes"/>
-          <p:cNvSpPr>
-            <a:spLocks noGrp="1" noRot="1" noChangeAspect="1"/>
-          </p:cNvSpPr>
-          <p:nvPr>
-            <p:ph type="sldImg" idx="2"/>
-          </p:nvPr>
-        </p:nvSpPr>
-        <p:spPr>
-          <a:xfrm>
-            <a:off x="381000" y="685800"/>
-            <a:ext cx="6096000" cy="3429000"/>
-          </a:xfrm>
-          <a:custGeom>
-            <a:avLst/>
-            <a:gdLst/>
-            <a:ahLst/>
-            <a:cxnLst/>
-            <a:rect l="l" t="t" r="r" b="b"/>
-            <a:pathLst>
-              <a:path w="120000" h="120000" extrusionOk="0">
-                <a:moveTo>
-                  <a:pt x="0" y="0"/>
-                </a:moveTo>
-                <a:lnTo>
-                  <a:pt x="120000" y="0"/>
-                </a:lnTo>
-                <a:lnTo>
-                  <a:pt x="120000" y="120000"/>
-                </a:lnTo>
-                <a:lnTo>
-                  <a:pt x="0" y="120000"/>
-                </a:lnTo>
-                <a:close/>
-              </a:path>
-            </a:pathLst>
-          </a:custGeom>
-        </p:spPr>
-      </p:sp>
-      <p:sp>
-        <p:nvSpPr>
-          <p:cNvPr id="237" name="Google Shape;237;g13ce56bca85_0_765:notes"/>
-          <p:cNvSpPr txBox="1">
-            <a:spLocks noGrp="1"/>
-          </p:cNvSpPr>
-          <p:nvPr>
-            <p:ph type="body" idx="1"/>
-          </p:nvPr>
-        </p:nvSpPr>
-        <p:spPr>
-          <a:xfrm>
-            <a:off x="685800" y="4343400"/>
-            <a:ext cx="5486400" cy="4114800"/>
-          </a:xfrm>
-          <a:prstGeom prst="rect">
-            <a:avLst/>
-          </a:prstGeom>
-        </p:spPr>
-        <p:txBody>
-          <a:bodyPr spcFirstLastPara="1" wrap="square" lIns="91425" tIns="91425" rIns="91425" bIns="91425" anchor="t" anchorCtr="0">
-            <a:noAutofit/>
-          </a:bodyPr>
-          <a:lstStyle/>
-          <a:p>
-            <a:pPr marL="0" lvl="0" indent="0" algn="l" rtl="0">
-              <a:spcBef>
-                <a:spcPts val="0"/>
-              </a:spcBef>
-              <a:spcAft>
-                <a:spcPts val="0"/>
-              </a:spcAft>
-              <a:buNone/>
-            </a:pPr>
-            <a:endParaRPr/>
-          </a:p>
-        </p:txBody>
-      </p:sp>
-    </p:spTree>
-  </p:cSld>
-  <p:clrMapOvr>
-    <a:masterClrMapping/>
-  </p:clrMapOvr>
-</p:notes>
-</file>
-
-<file path=ppt/notesSlides/notesSlide18.xml><?xml version="1.0" encoding="utf-8"?>
 <p:notes xmlns:a="http://schemas.openxmlformats.org/drawingml/2006/main" xmlns:r="http://schemas.openxmlformats.org/officeDocument/2006/relationships" xmlns:p="http://schemas.openxmlformats.org/presentationml/2006/main" showMasterSp="0" showMasterPhAnim="0">
   <p:cSld>
     <p:spTree>
@@ -1805,7 +1963,7 @@
 </p:notes>
 </file>
 
-<file path=ppt/notesSlides/notesSlide19.xml><?xml version="1.0" encoding="utf-8"?>
+<file path=ppt/notesSlides/notesSlide18.xml><?xml version="1.0" encoding="utf-8"?>
 <p:notes xmlns:a="http://schemas.openxmlformats.org/drawingml/2006/main" xmlns:r="http://schemas.openxmlformats.org/officeDocument/2006/relationships" xmlns:p="http://schemas.openxmlformats.org/presentationml/2006/main" showMasterSp="0" showMasterPhAnim="0">
   <p:cSld>
     <p:spTree>
@@ -1866,6 +2024,110 @@
       <p:sp>
         <p:nvSpPr>
           <p:cNvPr id="249" name="Google Shape;249;g13ce56bca85_7_0:notes"/>
+          <p:cNvSpPr txBox="1">
+            <a:spLocks noGrp="1"/>
+          </p:cNvSpPr>
+          <p:nvPr>
+            <p:ph type="body" idx="1"/>
+          </p:nvPr>
+        </p:nvSpPr>
+        <p:spPr>
+          <a:xfrm>
+            <a:off x="685800" y="4343400"/>
+            <a:ext cx="5486400" cy="4114800"/>
+          </a:xfrm>
+          <a:prstGeom prst="rect">
+            <a:avLst/>
+          </a:prstGeom>
+        </p:spPr>
+        <p:txBody>
+          <a:bodyPr spcFirstLastPara="1" wrap="square" lIns="91425" tIns="91425" rIns="91425" bIns="91425" anchor="t" anchorCtr="0">
+            <a:noAutofit/>
+          </a:bodyPr>
+          <a:lstStyle/>
+          <a:p>
+            <a:pPr marL="0" lvl="0" indent="0" algn="l" rtl="0">
+              <a:spcBef>
+                <a:spcPts val="0"/>
+              </a:spcBef>
+              <a:spcAft>
+                <a:spcPts val="0"/>
+              </a:spcAft>
+              <a:buNone/>
+            </a:pPr>
+            <a:endParaRPr/>
+          </a:p>
+        </p:txBody>
+      </p:sp>
+    </p:spTree>
+  </p:cSld>
+  <p:clrMapOvr>
+    <a:masterClrMapping/>
+  </p:clrMapOvr>
+</p:notes>
+</file>
+
+<file path=ppt/notesSlides/notesSlide19.xml><?xml version="1.0" encoding="utf-8"?>
+<p:notes xmlns:a="http://schemas.openxmlformats.org/drawingml/2006/main" xmlns:r="http://schemas.openxmlformats.org/officeDocument/2006/relationships" xmlns:p="http://schemas.openxmlformats.org/presentationml/2006/main" showMasterSp="0" showMasterPhAnim="0">
+  <p:cSld>
+    <p:spTree>
+      <p:nvGrpSpPr>
+        <p:cNvPr id="1" name="Shape 254"/>
+        <p:cNvGrpSpPr/>
+        <p:nvPr/>
+      </p:nvGrpSpPr>
+      <p:grpSpPr>
+        <a:xfrm>
+          <a:off x="0" y="0"/>
+          <a:ext cx="0" cy="0"/>
+          <a:chOff x="0" y="0"/>
+          <a:chExt cx="0" cy="0"/>
+        </a:xfrm>
+      </p:grpSpPr>
+      <p:sp>
+        <p:nvSpPr>
+          <p:cNvPr id="255" name="Google Shape;255;g13ce56bca85_0_1049:notes"/>
+          <p:cNvSpPr>
+            <a:spLocks noGrp="1" noRot="1" noChangeAspect="1"/>
+          </p:cNvSpPr>
+          <p:nvPr>
+            <p:ph type="sldImg" idx="2"/>
+          </p:nvPr>
+        </p:nvSpPr>
+        <p:spPr>
+          <a:xfrm>
+            <a:off x="381300" y="685800"/>
+            <a:ext cx="6096000" cy="3429000"/>
+          </a:xfrm>
+          <a:custGeom>
+            <a:avLst/>
+            <a:gdLst/>
+            <a:ahLst/>
+            <a:cxnLst/>
+            <a:rect l="l" t="t" r="r" b="b"/>
+            <a:pathLst>
+              <a:path w="120000" h="120000" extrusionOk="0">
+                <a:moveTo>
+                  <a:pt x="0" y="0"/>
+                </a:moveTo>
+                <a:lnTo>
+                  <a:pt x="120000" y="0"/>
+                </a:lnTo>
+                <a:lnTo>
+                  <a:pt x="120000" y="120000"/>
+                </a:lnTo>
+                <a:lnTo>
+                  <a:pt x="0" y="120000"/>
+                </a:lnTo>
+                <a:close/>
+              </a:path>
+            </a:pathLst>
+          </a:custGeom>
+        </p:spPr>
+      </p:sp>
+      <p:sp>
+        <p:nvSpPr>
+          <p:cNvPr id="256" name="Google Shape;256;g13ce56bca85_0_1049:notes"/>
           <p:cNvSpPr txBox="1">
             <a:spLocks noGrp="1"/>
           </p:cNvSpPr>
@@ -2018,110 +2280,6 @@
   <p:cSld>
     <p:spTree>
       <p:nvGrpSpPr>
-        <p:cNvPr id="1" name="Shape 254"/>
-        <p:cNvGrpSpPr/>
-        <p:nvPr/>
-      </p:nvGrpSpPr>
-      <p:grpSpPr>
-        <a:xfrm>
-          <a:off x="0" y="0"/>
-          <a:ext cx="0" cy="0"/>
-          <a:chOff x="0" y="0"/>
-          <a:chExt cx="0" cy="0"/>
-        </a:xfrm>
-      </p:grpSpPr>
-      <p:sp>
-        <p:nvSpPr>
-          <p:cNvPr id="255" name="Google Shape;255;g13ce56bca85_0_1049:notes"/>
-          <p:cNvSpPr>
-            <a:spLocks noGrp="1" noRot="1" noChangeAspect="1"/>
-          </p:cNvSpPr>
-          <p:nvPr>
-            <p:ph type="sldImg" idx="2"/>
-          </p:nvPr>
-        </p:nvSpPr>
-        <p:spPr>
-          <a:xfrm>
-            <a:off x="381300" y="685800"/>
-            <a:ext cx="6096000" cy="3429000"/>
-          </a:xfrm>
-          <a:custGeom>
-            <a:avLst/>
-            <a:gdLst/>
-            <a:ahLst/>
-            <a:cxnLst/>
-            <a:rect l="l" t="t" r="r" b="b"/>
-            <a:pathLst>
-              <a:path w="120000" h="120000" extrusionOk="0">
-                <a:moveTo>
-                  <a:pt x="0" y="0"/>
-                </a:moveTo>
-                <a:lnTo>
-                  <a:pt x="120000" y="0"/>
-                </a:lnTo>
-                <a:lnTo>
-                  <a:pt x="120000" y="120000"/>
-                </a:lnTo>
-                <a:lnTo>
-                  <a:pt x="0" y="120000"/>
-                </a:lnTo>
-                <a:close/>
-              </a:path>
-            </a:pathLst>
-          </a:custGeom>
-        </p:spPr>
-      </p:sp>
-      <p:sp>
-        <p:nvSpPr>
-          <p:cNvPr id="256" name="Google Shape;256;g13ce56bca85_0_1049:notes"/>
-          <p:cNvSpPr txBox="1">
-            <a:spLocks noGrp="1"/>
-          </p:cNvSpPr>
-          <p:nvPr>
-            <p:ph type="body" idx="1"/>
-          </p:nvPr>
-        </p:nvSpPr>
-        <p:spPr>
-          <a:xfrm>
-            <a:off x="685800" y="4343400"/>
-            <a:ext cx="5486400" cy="4114800"/>
-          </a:xfrm>
-          <a:prstGeom prst="rect">
-            <a:avLst/>
-          </a:prstGeom>
-        </p:spPr>
-        <p:txBody>
-          <a:bodyPr spcFirstLastPara="1" wrap="square" lIns="91425" tIns="91425" rIns="91425" bIns="91425" anchor="t" anchorCtr="0">
-            <a:noAutofit/>
-          </a:bodyPr>
-          <a:lstStyle/>
-          <a:p>
-            <a:pPr marL="0" lvl="0" indent="0" algn="l" rtl="0">
-              <a:spcBef>
-                <a:spcPts val="0"/>
-              </a:spcBef>
-              <a:spcAft>
-                <a:spcPts val="0"/>
-              </a:spcAft>
-              <a:buNone/>
-            </a:pPr>
-            <a:endParaRPr/>
-          </a:p>
-        </p:txBody>
-      </p:sp>
-    </p:spTree>
-  </p:cSld>
-  <p:clrMapOvr>
-    <a:masterClrMapping/>
-  </p:clrMapOvr>
-</p:notes>
-</file>
-
-<file path=ppt/notesSlides/notesSlide21.xml><?xml version="1.0" encoding="utf-8"?>
-<p:notes xmlns:a="http://schemas.openxmlformats.org/drawingml/2006/main" xmlns:r="http://schemas.openxmlformats.org/officeDocument/2006/relationships" xmlns:p="http://schemas.openxmlformats.org/presentationml/2006/main" showMasterSp="0" showMasterPhAnim="0">
-  <p:cSld>
-    <p:spTree>
-      <p:nvGrpSpPr>
         <p:cNvPr id="1" name="Shape 261"/>
         <p:cNvGrpSpPr/>
         <p:nvPr/>
@@ -2221,7 +2379,7 @@
 </p:notes>
 </file>
 
-<file path=ppt/notesSlides/notesSlide22.xml><?xml version="1.0" encoding="utf-8"?>
+<file path=ppt/notesSlides/notesSlide21.xml><?xml version="1.0" encoding="utf-8"?>
 <p:notes xmlns:a="http://schemas.openxmlformats.org/drawingml/2006/main" xmlns:r="http://schemas.openxmlformats.org/officeDocument/2006/relationships" xmlns:p="http://schemas.openxmlformats.org/presentationml/2006/main" showMasterSp="0" showMasterPhAnim="0">
   <p:cSld>
     <p:spTree>
@@ -2329,7 +2487,7 @@
 </p:notes>
 </file>
 
-<file path=ppt/notesSlides/notesSlide23.xml><?xml version="1.0" encoding="utf-8"?>
+<file path=ppt/notesSlides/notesSlide22.xml><?xml version="1.0" encoding="utf-8"?>
 <p:notes xmlns:a="http://schemas.openxmlformats.org/drawingml/2006/main" xmlns:r="http://schemas.openxmlformats.org/officeDocument/2006/relationships" xmlns:p="http://schemas.openxmlformats.org/presentationml/2006/main" showMasterSp="0" showMasterPhAnim="0">
   <p:cSld>
     <p:spTree>
@@ -2433,7 +2591,7 @@
 </p:notes>
 </file>
 
-<file path=ppt/notesSlides/notesSlide24.xml><?xml version="1.0" encoding="utf-8"?>
+<file path=ppt/notesSlides/notesSlide23.xml><?xml version="1.0" encoding="utf-8"?>
 <p:notes xmlns:a="http://schemas.openxmlformats.org/drawingml/2006/main" xmlns:r="http://schemas.openxmlformats.org/officeDocument/2006/relationships" xmlns:p="http://schemas.openxmlformats.org/presentationml/2006/main" showMasterSp="0" showMasterPhAnim="0">
   <p:cSld>
     <p:spTree>
@@ -2537,7 +2695,7 @@
 </p:notes>
 </file>
 
-<file path=ppt/notesSlides/notesSlide25.xml><?xml version="1.0" encoding="utf-8"?>
+<file path=ppt/notesSlides/notesSlide24.xml><?xml version="1.0" encoding="utf-8"?>
 <p:notes xmlns:a="http://schemas.openxmlformats.org/drawingml/2006/main" xmlns:r="http://schemas.openxmlformats.org/officeDocument/2006/relationships" xmlns:p="http://schemas.openxmlformats.org/presentationml/2006/main" showMasterSp="0" showMasterPhAnim="0">
   <p:cSld>
     <p:spTree>
@@ -2641,7 +2799,7 @@
 </p:notes>
 </file>
 
-<file path=ppt/notesSlides/notesSlide26.xml><?xml version="1.0" encoding="utf-8"?>
+<file path=ppt/notesSlides/notesSlide25.xml><?xml version="1.0" encoding="utf-8"?>
 <p:notes xmlns:a="http://schemas.openxmlformats.org/drawingml/2006/main" xmlns:r="http://schemas.openxmlformats.org/officeDocument/2006/relationships" xmlns:p="http://schemas.openxmlformats.org/presentationml/2006/main" showMasterSp="0" showMasterPhAnim="0">
   <p:cSld>
     <p:spTree>
@@ -12446,17 +12604,109 @@
           </a:p>
         </p:txBody>
       </p:sp>
+      <p:sp>
+        <p:nvSpPr>
+          <p:cNvPr id="5" name="TextBox 4">
+            <a:extLst>
+              <a:ext uri="{FF2B5EF4-FFF2-40B4-BE49-F238E27FC236}">
+                <a16:creationId xmlns:a16="http://schemas.microsoft.com/office/drawing/2014/main" id="{4FD4D51C-1BD5-E1F9-ED9C-AEB53F95A90F}"/>
+              </a:ext>
+            </a:extLst>
+          </p:cNvPr>
+          <p:cNvSpPr txBox="1"/>
+          <p:nvPr/>
+        </p:nvSpPr>
+        <p:spPr>
+          <a:xfrm>
+            <a:off x="5042970" y="1307850"/>
+            <a:ext cx="3381502" cy="1569660"/>
+          </a:xfrm>
+          <a:prstGeom prst="rect">
+            <a:avLst/>
+          </a:prstGeom>
+          <a:noFill/>
+        </p:spPr>
+        <p:txBody>
+          <a:bodyPr wrap="square" rtlCol="0">
+            <a:spAutoFit/>
+          </a:bodyPr>
+          <a:lstStyle/>
+          <a:p>
+            <a:pPr algn="ctr"/>
+            <a:r>
+              <a:rPr lang="en-US" sz="1200" b="1" dirty="0">
+                <a:latin typeface="Montserrat" panose="00000500000000000000" pitchFamily="2" charset="0"/>
+              </a:rPr>
+              <a:t>*Potential POEs of concern where average age of referral is greater than 15 months are </a:t>
+            </a:r>
+          </a:p>
+          <a:p>
+            <a:pPr algn="ctr"/>
+            <a:endParaRPr lang="en-US" sz="1200" b="1" dirty="0">
+              <a:latin typeface="Montserrat" panose="00000500000000000000" pitchFamily="2" charset="0"/>
+            </a:endParaRPr>
+          </a:p>
+          <a:p>
+            <a:pPr marL="171450" indent="-171450">
+              <a:buFont typeface="Arial" panose="020B0604020202020204" pitchFamily="34" charset="0"/>
+              <a:buChar char="•"/>
+            </a:pPr>
+            <a:r>
+              <a:rPr lang="en-US" sz="1200" b="1" dirty="0">
+                <a:latin typeface="Montserrat" panose="00000500000000000000" pitchFamily="2" charset="0"/>
+              </a:rPr>
+              <a:t>South Central (17.01 months)</a:t>
+            </a:r>
+          </a:p>
+          <a:p>
+            <a:pPr marL="171450" indent="-171450">
+              <a:buFont typeface="Arial" panose="020B0604020202020204" pitchFamily="34" charset="0"/>
+              <a:buChar char="•"/>
+            </a:pPr>
+            <a:r>
+              <a:rPr lang="en-US" sz="1200" b="1" dirty="0">
+                <a:latin typeface="Montserrat" panose="00000500000000000000" pitchFamily="2" charset="0"/>
+              </a:rPr>
+              <a:t>Greater Nashville (16.49 months)</a:t>
+            </a:r>
+          </a:p>
+          <a:p>
+            <a:pPr marL="171450" indent="-171450">
+              <a:buFont typeface="Arial" panose="020B0604020202020204" pitchFamily="34" charset="0"/>
+              <a:buChar char="•"/>
+            </a:pPr>
+            <a:r>
+              <a:rPr lang="en-US" sz="1200" b="1" dirty="0">
+                <a:latin typeface="Montserrat" panose="00000500000000000000" pitchFamily="2" charset="0"/>
+              </a:rPr>
+              <a:t>Upper Cumberland (15.54 months)</a:t>
+            </a:r>
+          </a:p>
+          <a:p>
+            <a:pPr marL="171450" indent="-171450">
+              <a:buFont typeface="Arial" panose="020B0604020202020204" pitchFamily="34" charset="0"/>
+              <a:buChar char="•"/>
+            </a:pPr>
+            <a:r>
+              <a:rPr lang="en-US" sz="1200" b="1" dirty="0">
+                <a:latin typeface="Montserrat" panose="00000500000000000000" pitchFamily="2" charset="0"/>
+              </a:rPr>
+              <a:t>Memphis Delta (15.40 months)</a:t>
+            </a:r>
+          </a:p>
+        </p:txBody>
+      </p:sp>
       <p:pic>
         <p:nvPicPr>
-          <p:cNvPr id="7" name="Picture 6" descr="Chart, bar chart&#10;&#10;Description automatically generated">
+          <p:cNvPr id="3" name="Picture 2" descr="Chart, bar chart&#10;&#10;Description automatically generated">
             <a:extLst>
               <a:ext uri="{FF2B5EF4-FFF2-40B4-BE49-F238E27FC236}">
-                <a16:creationId xmlns:a16="http://schemas.microsoft.com/office/drawing/2014/main" id="{B9B4D059-8A35-81C1-7CEC-1B3762B7D58A}"/>
+                <a16:creationId xmlns:a16="http://schemas.microsoft.com/office/drawing/2014/main" id="{055B4FA5-B1E0-E00E-1E2C-F969DBD02BDE}"/>
               </a:ext>
             </a:extLst>
           </p:cNvPr>
           <p:cNvPicPr>
-            <a:picLocks/>
+            <a:picLocks noChangeAspect="1"/>
           </p:cNvPicPr>
           <p:nvPr/>
         </p:nvPicPr>
@@ -12468,238 +12718,91 @@
         </p:blipFill>
         <p:spPr>
           <a:xfrm>
-            <a:off x="1251927" y="1307850"/>
-            <a:ext cx="3657600" cy="3657600"/>
+            <a:off x="844840" y="891455"/>
+            <a:ext cx="4334262" cy="4334262"/>
           </a:xfrm>
           <a:prstGeom prst="rect">
             <a:avLst/>
           </a:prstGeom>
         </p:spPr>
       </p:pic>
-      <p:graphicFrame>
-        <p:nvGraphicFramePr>
-          <p:cNvPr id="8" name="Table 8">
+      <p:sp>
+        <p:nvSpPr>
+          <p:cNvPr id="4" name="TextBox 3">
             <a:extLst>
               <a:ext uri="{FF2B5EF4-FFF2-40B4-BE49-F238E27FC236}">
-                <a16:creationId xmlns:a16="http://schemas.microsoft.com/office/drawing/2014/main" id="{6F9FA171-E7C0-1250-217A-162FE3C1F1AA}"/>
+                <a16:creationId xmlns:a16="http://schemas.microsoft.com/office/drawing/2014/main" id="{777715FF-A8C6-2ED3-7B35-BF797BA6CAB1}"/>
               </a:ext>
             </a:extLst>
           </p:cNvPr>
-          <p:cNvGraphicFramePr>
-            <a:graphicFrameLocks noGrp="1"/>
-          </p:cNvGraphicFramePr>
-          <p:nvPr>
-            <p:extLst>
-              <p:ext uri="{D42A27DB-BD31-4B8C-83A1-F6EECF244321}">
-                <p14:modId xmlns:p14="http://schemas.microsoft.com/office/powerpoint/2010/main" val="4231578294"/>
-              </p:ext>
-            </p:extLst>
-          </p:nvPr>
-        </p:nvGraphicFramePr>
-        <p:xfrm>
-          <a:off x="5051063" y="1307850"/>
-          <a:ext cx="3457144" cy="2045044"/>
-        </p:xfrm>
-        <a:graphic>
-          <a:graphicData uri="http://schemas.openxmlformats.org/drawingml/2006/table">
-            <a:tbl>
-              <a:tblPr firstRow="1" bandRow="1">
-                <a:tableStyleId>{5C22544A-7EE6-4342-B048-85BDC9FD1C3A}</a:tableStyleId>
-              </a:tblPr>
-              <a:tblGrid>
-                <a:gridCol w="1721212">
-                  <a:extLst>
-                    <a:ext uri="{9D8B030D-6E8A-4147-A177-3AD203B41FA5}">
-                      <a16:colId xmlns:a16="http://schemas.microsoft.com/office/drawing/2014/main" val="2785854339"/>
-                    </a:ext>
-                  </a:extLst>
-                </a:gridCol>
-                <a:gridCol w="1735932">
-                  <a:extLst>
-                    <a:ext uri="{9D8B030D-6E8A-4147-A177-3AD203B41FA5}">
-                      <a16:colId xmlns:a16="http://schemas.microsoft.com/office/drawing/2014/main" val="2433437840"/>
-                    </a:ext>
-                  </a:extLst>
-                </a:gridCol>
-              </a:tblGrid>
-              <a:tr h="529428">
-                <a:tc gridSpan="2">
-                  <a:txBody>
-                    <a:bodyPr/>
-                    <a:lstStyle/>
-                    <a:p>
-                      <a:pPr algn="ctr"/>
-                      <a:r>
-                        <a:rPr lang="en-US" b="1" dirty="0"/>
-                        <a:t>Potential POEs of concern </a:t>
-                      </a:r>
-                    </a:p>
-                    <a:p>
-                      <a:pPr algn="ctr"/>
-                      <a:r>
-                        <a:rPr lang="en-US" b="1" dirty="0"/>
-                        <a:t>(average age of ref &gt; 15 months)</a:t>
-                      </a:r>
-                    </a:p>
-                  </a:txBody>
-                  <a:tcPr>
-                    <a:solidFill>
-                      <a:srgbClr val="1E6091"/>
-                    </a:solidFill>
-                  </a:tcPr>
-                </a:tc>
-                <a:tc hMerge="1">
-                  <a:txBody>
-                    <a:bodyPr/>
-                    <a:lstStyle/>
-                    <a:p>
-                      <a:endParaRPr lang="en-US" dirty="0"/>
-                    </a:p>
-                  </a:txBody>
-                  <a:tcPr/>
-                </a:tc>
-                <a:extLst>
-                  <a:ext uri="{0D108BD9-81ED-4DB2-BD59-A6C34878D82A}">
-                    <a16:rowId xmlns:a16="http://schemas.microsoft.com/office/drawing/2014/main" val="1243989607"/>
-                  </a:ext>
-                </a:extLst>
-              </a:tr>
-              <a:tr h="378904">
-                <a:tc>
-                  <a:txBody>
-                    <a:bodyPr/>
-                    <a:lstStyle/>
-                    <a:p>
-                      <a:r>
-                        <a:rPr lang="en-US" dirty="0"/>
-                        <a:t>South Central</a:t>
-                      </a:r>
-                    </a:p>
-                  </a:txBody>
-                  <a:tcPr/>
-                </a:tc>
-                <a:tc>
-                  <a:txBody>
-                    <a:bodyPr/>
-                    <a:lstStyle/>
-                    <a:p>
-                      <a:r>
-                        <a:rPr lang="en-US" dirty="0"/>
-                        <a:t>17.01 months</a:t>
-                      </a:r>
-                    </a:p>
-                  </a:txBody>
-                  <a:tcPr/>
-                </a:tc>
-                <a:extLst>
-                  <a:ext uri="{0D108BD9-81ED-4DB2-BD59-A6C34878D82A}">
-                    <a16:rowId xmlns:a16="http://schemas.microsoft.com/office/drawing/2014/main" val="1529186722"/>
-                  </a:ext>
-                </a:extLst>
-              </a:tr>
-              <a:tr h="378904">
-                <a:tc>
-                  <a:txBody>
-                    <a:bodyPr/>
-                    <a:lstStyle/>
-                    <a:p>
-                      <a:r>
-                        <a:rPr lang="en-US" dirty="0"/>
-                        <a:t>Greater Nashville</a:t>
-                      </a:r>
-                    </a:p>
-                  </a:txBody>
-                  <a:tcPr/>
-                </a:tc>
-                <a:tc>
-                  <a:txBody>
-                    <a:bodyPr/>
-                    <a:lstStyle/>
-                    <a:p>
-                      <a:r>
-                        <a:rPr lang="en-US" dirty="0"/>
-                        <a:t>16.49 months</a:t>
-                      </a:r>
-                    </a:p>
-                  </a:txBody>
-                  <a:tcPr/>
-                </a:tc>
-                <a:extLst>
-                  <a:ext uri="{0D108BD9-81ED-4DB2-BD59-A6C34878D82A}">
-                    <a16:rowId xmlns:a16="http://schemas.microsoft.com/office/drawing/2014/main" val="1748689697"/>
-                  </a:ext>
-                </a:extLst>
-              </a:tr>
-              <a:tr h="378904">
-                <a:tc>
-                  <a:txBody>
-                    <a:bodyPr/>
-                    <a:lstStyle/>
-                    <a:p>
-                      <a:r>
-                        <a:rPr lang="en-US" dirty="0"/>
-                        <a:t>Upper Cumberland</a:t>
-                      </a:r>
-                    </a:p>
-                  </a:txBody>
-                  <a:tcPr/>
-                </a:tc>
-                <a:tc>
-                  <a:txBody>
-                    <a:bodyPr/>
-                    <a:lstStyle/>
-                    <a:p>
-                      <a:r>
-                        <a:rPr lang="en-US" dirty="0"/>
-                        <a:t>15.54 months</a:t>
-                      </a:r>
-                    </a:p>
-                  </a:txBody>
-                  <a:tcPr/>
-                </a:tc>
-                <a:extLst>
-                  <a:ext uri="{0D108BD9-81ED-4DB2-BD59-A6C34878D82A}">
-                    <a16:rowId xmlns:a16="http://schemas.microsoft.com/office/drawing/2014/main" val="819585436"/>
-                  </a:ext>
-                </a:extLst>
-              </a:tr>
-              <a:tr h="378904">
-                <a:tc>
-                  <a:txBody>
-                    <a:bodyPr/>
-                    <a:lstStyle/>
-                    <a:p>
-                      <a:r>
-                        <a:rPr lang="en-US" dirty="0"/>
-                        <a:t>Memphis Delta</a:t>
-                      </a:r>
-                    </a:p>
-                  </a:txBody>
-                  <a:tcPr/>
-                </a:tc>
-                <a:tc>
-                  <a:txBody>
-                    <a:bodyPr/>
-                    <a:lstStyle/>
-                    <a:p>
-                      <a:r>
-                        <a:rPr lang="en-US" dirty="0"/>
-                        <a:t>15.40 months</a:t>
-                      </a:r>
-                    </a:p>
-                  </a:txBody>
-                  <a:tcPr/>
-                </a:tc>
-                <a:extLst>
-                  <a:ext uri="{0D108BD9-81ED-4DB2-BD59-A6C34878D82A}">
-                    <a16:rowId xmlns:a16="http://schemas.microsoft.com/office/drawing/2014/main" val="3956650092"/>
-                  </a:ext>
-                </a:extLst>
-              </a:tr>
-            </a:tbl>
-          </a:graphicData>
-        </a:graphic>
-      </p:graphicFrame>
+          <p:cNvSpPr txBox="1"/>
+          <p:nvPr/>
+        </p:nvSpPr>
+        <p:spPr>
+          <a:xfrm>
+            <a:off x="6626964" y="4856385"/>
+            <a:ext cx="2517036" cy="369332"/>
+          </a:xfrm>
+          <a:prstGeom prst="rect">
+            <a:avLst/>
+          </a:prstGeom>
+          <a:noFill/>
+        </p:spPr>
+        <p:txBody>
+          <a:bodyPr wrap="none" rtlCol="0">
+            <a:spAutoFit/>
+          </a:bodyPr>
+          <a:lstStyle/>
+          <a:p>
+            <a:r>
+              <a:rPr lang="en-US" sz="900" b="1" i="1" dirty="0">
+                <a:latin typeface="Montserrat" panose="00000500000000000000" pitchFamily="2" charset="0"/>
+              </a:rPr>
+              <a:t>*Notification date used for calculation</a:t>
+            </a:r>
+          </a:p>
+          <a:p>
+            <a:endParaRPr lang="en-US" sz="900" dirty="0"/>
+          </a:p>
+        </p:txBody>
+      </p:sp>
+      <p:sp>
+        <p:nvSpPr>
+          <p:cNvPr id="9" name="TextBox 8">
+            <a:extLst>
+              <a:ext uri="{FF2B5EF4-FFF2-40B4-BE49-F238E27FC236}">
+                <a16:creationId xmlns:a16="http://schemas.microsoft.com/office/drawing/2014/main" id="{4C5EFF49-0E89-D90D-64DE-7C7AA2219AF9}"/>
+              </a:ext>
+            </a:extLst>
+          </p:cNvPr>
+          <p:cNvSpPr txBox="1"/>
+          <p:nvPr/>
+        </p:nvSpPr>
+        <p:spPr>
+          <a:xfrm>
+            <a:off x="293699" y="1801401"/>
+            <a:ext cx="1003801" cy="276999"/>
+          </a:xfrm>
+          <a:prstGeom prst="rect">
+            <a:avLst/>
+          </a:prstGeom>
+          <a:noFill/>
+        </p:spPr>
+        <p:txBody>
+          <a:bodyPr wrap="none" rtlCol="0">
+            <a:spAutoFit/>
+          </a:bodyPr>
+          <a:lstStyle/>
+          <a:p>
+            <a:r>
+              <a:rPr lang="en-US" sz="1200" b="1" dirty="0">
+                <a:latin typeface="Montserrat" panose="00000500000000000000" pitchFamily="2" charset="0"/>
+              </a:rPr>
+              <a:t>15 months</a:t>
+            </a:r>
+          </a:p>
+        </p:txBody>
+      </p:sp>
     </p:spTree>
   </p:cSld>
   <p:clrMapOvr>
@@ -12745,8 +12848,8 @@
         </p:nvSpPr>
         <p:spPr>
           <a:xfrm>
-            <a:off x="1297500" y="393750"/>
-            <a:ext cx="7038900" cy="914100"/>
+            <a:off x="1159350" y="393750"/>
+            <a:ext cx="7177050" cy="914100"/>
           </a:xfrm>
           <a:prstGeom prst="rect">
             <a:avLst/>
@@ -12754,7 +12857,7 @@
         </p:spPr>
         <p:txBody>
           <a:bodyPr spcFirstLastPara="1" wrap="square" lIns="91425" tIns="91425" rIns="91425" bIns="91425" anchor="t" anchorCtr="0">
-            <a:normAutofit/>
+            <a:normAutofit fontScale="90000"/>
           </a:bodyPr>
           <a:lstStyle/>
           <a:p>
@@ -12769,7 +12872,7 @@
             </a:pPr>
             <a:r>
               <a:rPr lang="en-US" b="1" dirty="0"/>
-              <a:t>How often does a referral result in an IFSP?</a:t>
+              <a:t>Total Referral vs Eligible Referral IFSP Result</a:t>
             </a:r>
             <a:br>
               <a:rPr lang="en-US" b="1" dirty="0"/>
@@ -12782,17 +12885,64 @@
           </a:p>
         </p:txBody>
       </p:sp>
+      <p:sp>
+        <p:nvSpPr>
+          <p:cNvPr id="4" name="TextBox 3">
+            <a:extLst>
+              <a:ext uri="{FF2B5EF4-FFF2-40B4-BE49-F238E27FC236}">
+                <a16:creationId xmlns:a16="http://schemas.microsoft.com/office/drawing/2014/main" id="{6D8CBA68-F492-39CF-24CC-176850133DE6}"/>
+              </a:ext>
+            </a:extLst>
+          </p:cNvPr>
+          <p:cNvSpPr txBox="1"/>
+          <p:nvPr/>
+        </p:nvSpPr>
+        <p:spPr>
+          <a:xfrm>
+            <a:off x="1090275" y="4559954"/>
+            <a:ext cx="3657600" cy="369332"/>
+          </a:xfrm>
+          <a:prstGeom prst="rect">
+            <a:avLst/>
+          </a:prstGeom>
+          <a:noFill/>
+        </p:spPr>
+        <p:txBody>
+          <a:bodyPr wrap="square" rtlCol="0">
+            <a:spAutoFit/>
+          </a:bodyPr>
+          <a:lstStyle/>
+          <a:p>
+            <a:pPr algn="ctr"/>
+            <a:r>
+              <a:rPr lang="en-US" sz="900" b="1" i="1" dirty="0">
+                <a:latin typeface="Montserrat" panose="00000500000000000000" pitchFamily="2" charset="0"/>
+              </a:rPr>
+              <a:t>*Only POE’s of potential concern are </a:t>
+            </a:r>
+          </a:p>
+          <a:p>
+            <a:pPr algn="ctr"/>
+            <a:r>
+              <a:rPr lang="en-US" sz="900" b="1" i="1" dirty="0">
+                <a:latin typeface="Montserrat" panose="00000500000000000000" pitchFamily="2" charset="0"/>
+              </a:rPr>
+              <a:t>Memphis Delta (35.45%) and Northwest (31.87%) </a:t>
+            </a:r>
+          </a:p>
+        </p:txBody>
+      </p:sp>
       <p:pic>
         <p:nvPicPr>
-          <p:cNvPr id="3" name="Picture 2" descr="Chart, bar chart&#10;&#10;Description automatically generated">
+          <p:cNvPr id="8" name="Picture 7" descr="Chart&#10;&#10;Description automatically generated with low confidence">
             <a:extLst>
               <a:ext uri="{FF2B5EF4-FFF2-40B4-BE49-F238E27FC236}">
-                <a16:creationId xmlns:a16="http://schemas.microsoft.com/office/drawing/2014/main" id="{0C8C1679-D21D-4FCF-FDE4-358CBBB9C301}"/>
+                <a16:creationId xmlns:a16="http://schemas.microsoft.com/office/drawing/2014/main" id="{4F6FF698-112E-27F8-93AF-62F452E0524E}"/>
               </a:ext>
             </a:extLst>
           </p:cNvPr>
           <p:cNvPicPr>
-            <a:picLocks/>
+            <a:picLocks noChangeAspect="1"/>
           </p:cNvPicPr>
           <p:nvPr/>
         </p:nvPicPr>
@@ -12804,229 +12954,38 @@
         </p:blipFill>
         <p:spPr>
           <a:xfrm>
-            <a:off x="1159350" y="1421606"/>
-            <a:ext cx="3657600" cy="3657600"/>
+            <a:off x="4747875" y="904140"/>
+            <a:ext cx="3840480" cy="3840480"/>
           </a:xfrm>
           <a:prstGeom prst="rect">
             <a:avLst/>
           </a:prstGeom>
         </p:spPr>
       </p:pic>
-      <p:graphicFrame>
-        <p:nvGraphicFramePr>
-          <p:cNvPr id="7" name="Table 8">
+      <p:pic>
+        <p:nvPicPr>
+          <p:cNvPr id="12" name="Picture 11" descr="Chart, bar chart&#10;&#10;Description automatically generated">
             <a:extLst>
               <a:ext uri="{FF2B5EF4-FFF2-40B4-BE49-F238E27FC236}">
-                <a16:creationId xmlns:a16="http://schemas.microsoft.com/office/drawing/2014/main" id="{7299ED77-D65A-272D-C3B6-C14EA6874BF5}"/>
-              </a:ext>
-            </a:extLst>
-          </p:cNvPr>
-          <p:cNvGraphicFramePr>
-            <a:graphicFrameLocks noGrp="1"/>
-          </p:cNvGraphicFramePr>
-          <p:nvPr>
-            <p:extLst>
-              <p:ext uri="{D42A27DB-BD31-4B8C-83A1-F6EECF244321}">
-                <p14:modId xmlns:p14="http://schemas.microsoft.com/office/powerpoint/2010/main" val="522094184"/>
-              </p:ext>
-            </p:extLst>
-          </p:nvPr>
-        </p:nvGraphicFramePr>
-        <p:xfrm>
-          <a:off x="4958194" y="1421606"/>
-          <a:ext cx="3457144" cy="1166336"/>
-        </p:xfrm>
-        <a:graphic>
-          <a:graphicData uri="http://schemas.openxmlformats.org/drawingml/2006/table">
-            <a:tbl>
-              <a:tblPr firstRow="1" bandRow="1">
-                <a:tableStyleId>{5C22544A-7EE6-4342-B048-85BDC9FD1C3A}</a:tableStyleId>
-              </a:tblPr>
-              <a:tblGrid>
-                <a:gridCol w="1721212">
-                  <a:extLst>
-                    <a:ext uri="{9D8B030D-6E8A-4147-A177-3AD203B41FA5}">
-                      <a16:colId xmlns:a16="http://schemas.microsoft.com/office/drawing/2014/main" val="2785854339"/>
-                    </a:ext>
-                  </a:extLst>
-                </a:gridCol>
-                <a:gridCol w="1735932">
-                  <a:extLst>
-                    <a:ext uri="{9D8B030D-6E8A-4147-A177-3AD203B41FA5}">
-                      <a16:colId xmlns:a16="http://schemas.microsoft.com/office/drawing/2014/main" val="2433437840"/>
-                    </a:ext>
-                  </a:extLst>
-                </a:gridCol>
-              </a:tblGrid>
-              <a:tr h="408528">
-                <a:tc gridSpan="2">
-                  <a:txBody>
-                    <a:bodyPr/>
-                    <a:lstStyle/>
-                    <a:p>
-                      <a:pPr algn="ctr"/>
-                      <a:r>
-                        <a:rPr lang="en-US" sz="1000" b="1" dirty="0"/>
-                        <a:t>Potential POEs of concern </a:t>
-                      </a:r>
-                    </a:p>
-                    <a:p>
-                      <a:pPr algn="ctr"/>
-                      <a:r>
-                        <a:rPr lang="en-US" sz="1000" b="1" dirty="0"/>
-                        <a:t>(percent of total referrals resulting in IFSP)</a:t>
-                      </a:r>
-                    </a:p>
-                  </a:txBody>
-                  <a:tcPr>
-                    <a:solidFill>
-                      <a:srgbClr val="1E6091"/>
-                    </a:solidFill>
-                  </a:tcPr>
-                </a:tc>
-                <a:tc hMerge="1">
-                  <a:txBody>
-                    <a:bodyPr/>
-                    <a:lstStyle/>
-                    <a:p>
-                      <a:endParaRPr lang="en-US" dirty="0"/>
-                    </a:p>
-                  </a:txBody>
-                  <a:tcPr/>
-                </a:tc>
-                <a:extLst>
-                  <a:ext uri="{0D108BD9-81ED-4DB2-BD59-A6C34878D82A}">
-                    <a16:rowId xmlns:a16="http://schemas.microsoft.com/office/drawing/2014/main" val="1243989607"/>
-                  </a:ext>
-                </a:extLst>
-              </a:tr>
-              <a:tr h="378904">
-                <a:tc>
-                  <a:txBody>
-                    <a:bodyPr/>
-                    <a:lstStyle/>
-                    <a:p>
-                      <a:r>
-                        <a:rPr lang="en-US" sz="800" dirty="0"/>
-                        <a:t>Memphis Delta</a:t>
-                      </a:r>
-                    </a:p>
-                  </a:txBody>
-                  <a:tcPr/>
-                </a:tc>
-                <a:tc>
-                  <a:txBody>
-                    <a:bodyPr/>
-                    <a:lstStyle/>
-                    <a:p>
-                      <a:r>
-                        <a:rPr lang="en-US" sz="800" dirty="0"/>
-                        <a:t>35.45%</a:t>
-                      </a:r>
-                    </a:p>
-                  </a:txBody>
-                  <a:tcPr/>
-                </a:tc>
-                <a:extLst>
-                  <a:ext uri="{0D108BD9-81ED-4DB2-BD59-A6C34878D82A}">
-                    <a16:rowId xmlns:a16="http://schemas.microsoft.com/office/drawing/2014/main" val="1529186722"/>
-                  </a:ext>
-                </a:extLst>
-              </a:tr>
-              <a:tr h="378904">
-                <a:tc>
-                  <a:txBody>
-                    <a:bodyPr/>
-                    <a:lstStyle/>
-                    <a:p>
-                      <a:r>
-                        <a:rPr lang="en-US" sz="800" dirty="0"/>
-                        <a:t>Northwest</a:t>
-                      </a:r>
-                    </a:p>
-                  </a:txBody>
-                  <a:tcPr/>
-                </a:tc>
-                <a:tc>
-                  <a:txBody>
-                    <a:bodyPr/>
-                    <a:lstStyle/>
-                    <a:p>
-                      <a:r>
-                        <a:rPr lang="en-US" sz="800" dirty="0"/>
-                        <a:t>31.87%</a:t>
-                      </a:r>
-                    </a:p>
-                  </a:txBody>
-                  <a:tcPr/>
-                </a:tc>
-                <a:extLst>
-                  <a:ext uri="{0D108BD9-81ED-4DB2-BD59-A6C34878D82A}">
-                    <a16:rowId xmlns:a16="http://schemas.microsoft.com/office/drawing/2014/main" val="1748689697"/>
-                  </a:ext>
-                </a:extLst>
-              </a:tr>
-            </a:tbl>
-          </a:graphicData>
-        </a:graphic>
-      </p:graphicFrame>
-    </p:spTree>
-  </p:cSld>
-  <p:clrMapOvr>
-    <a:masterClrMapping/>
-  </p:clrMapOvr>
-</p:sld>
-</file>
-
-<file path=ppt/slides/slide17.xml><?xml version="1.0" encoding="utf-8"?>
-<p:sld xmlns:a="http://schemas.openxmlformats.org/drawingml/2006/main" xmlns:r="http://schemas.openxmlformats.org/officeDocument/2006/relationships" xmlns:p="http://schemas.openxmlformats.org/presentationml/2006/main">
-  <p:cSld>
-    <p:bg>
-      <p:bgPr>
-        <a:solidFill>
-          <a:schemeClr val="dk2"/>
-        </a:solidFill>
-        <a:effectLst/>
-      </p:bgPr>
-    </p:bg>
-    <p:spTree>
-      <p:nvGrpSpPr>
-        <p:cNvPr id="1" name="Shape 238"/>
-        <p:cNvGrpSpPr/>
-        <p:nvPr/>
-      </p:nvGrpSpPr>
-      <p:grpSpPr>
-        <a:xfrm>
-          <a:off x="0" y="0"/>
-          <a:ext cx="0" cy="0"/>
-          <a:chOff x="0" y="0"/>
-          <a:chExt cx="0" cy="0"/>
-        </a:xfrm>
-      </p:grpSpPr>
-      <p:pic>
-        <p:nvPicPr>
-          <p:cNvPr id="3" name="Picture 2" descr="Chart, bar chart&#10;&#10;Description automatically generated">
-            <a:extLst>
-              <a:ext uri="{FF2B5EF4-FFF2-40B4-BE49-F238E27FC236}">
-                <a16:creationId xmlns:a16="http://schemas.microsoft.com/office/drawing/2014/main" id="{678B5B35-18E3-C286-490C-003A15C142D3}"/>
+                <a16:creationId xmlns:a16="http://schemas.microsoft.com/office/drawing/2014/main" id="{7BFDE76B-8225-799C-3433-72C7BA2782A5}"/>
               </a:ext>
             </a:extLst>
           </p:cNvPr>
           <p:cNvPicPr>
-            <a:picLocks/>
+            <a:picLocks noChangeAspect="1"/>
           </p:cNvPicPr>
           <p:nvPr/>
         </p:nvPicPr>
         <p:blipFill>
-          <a:blip r:embed="rId3"/>
+          <a:blip r:embed="rId4"/>
           <a:stretch>
             <a:fillRect/>
           </a:stretch>
         </p:blipFill>
         <p:spPr>
           <a:xfrm>
-            <a:off x="1159350" y="1379437"/>
-            <a:ext cx="3657600" cy="3657600"/>
+            <a:off x="907395" y="904140"/>
+            <a:ext cx="3840480" cy="3840480"/>
           </a:xfrm>
           <a:prstGeom prst="rect">
             <a:avLst/>
@@ -13035,56 +12994,75 @@
       </p:pic>
       <p:sp>
         <p:nvSpPr>
-          <p:cNvPr id="8" name="Google Shape;232;p28">
+          <p:cNvPr id="13" name="TextBox 12">
             <a:extLst>
               <a:ext uri="{FF2B5EF4-FFF2-40B4-BE49-F238E27FC236}">
-                <a16:creationId xmlns:a16="http://schemas.microsoft.com/office/drawing/2014/main" id="{68C80EE6-B832-1EFE-84F6-8873C8226115}"/>
+                <a16:creationId xmlns:a16="http://schemas.microsoft.com/office/drawing/2014/main" id="{A6084A08-DACE-3185-3154-0D56C5B73199}"/>
               </a:ext>
             </a:extLst>
           </p:cNvPr>
-          <p:cNvSpPr txBox="1">
-            <a:spLocks noGrp="1"/>
-          </p:cNvSpPr>
-          <p:nvPr>
-            <p:ph type="title"/>
-          </p:nvPr>
+          <p:cNvSpPr txBox="1"/>
+          <p:nvPr/>
         </p:nvSpPr>
         <p:spPr>
           <a:xfrm>
-            <a:off x="1159349" y="379463"/>
-            <a:ext cx="7506019" cy="914100"/>
+            <a:off x="4320969" y="3110400"/>
+            <a:ext cx="502061" cy="276999"/>
           </a:xfrm>
           <a:prstGeom prst="rect">
             <a:avLst/>
           </a:prstGeom>
+          <a:noFill/>
         </p:spPr>
         <p:txBody>
-          <a:bodyPr spcFirstLastPara="1" wrap="square" lIns="91425" tIns="91425" rIns="91425" bIns="91425" anchor="t" anchorCtr="0">
-            <a:normAutofit fontScale="90000"/>
+          <a:bodyPr wrap="none" rtlCol="0">
+            <a:spAutoFit/>
           </a:bodyPr>
           <a:lstStyle/>
           <a:p>
-            <a:pPr marL="0" lvl="0" indent="0" algn="l" rtl="0">
-              <a:spcBef>
-                <a:spcPts val="0"/>
-              </a:spcBef>
-              <a:spcAft>
-                <a:spcPts val="0"/>
-              </a:spcAft>
-              <a:buNone/>
-            </a:pPr>
             <a:r>
-              <a:rPr lang="en-US" b="1" dirty="0"/>
-              <a:t>How often does an eligible referral result in an IFSP?</a:t>
+              <a:rPr lang="en-US" sz="1200" b="1" dirty="0">
+                <a:latin typeface="Montserrat" panose="00000500000000000000" pitchFamily="2" charset="0"/>
+              </a:rPr>
+              <a:t>35%</a:t>
             </a:r>
-            <a:br>
-              <a:rPr lang="en-US" b="1" dirty="0"/>
-            </a:br>
+          </a:p>
+        </p:txBody>
+      </p:sp>
+      <p:sp>
+        <p:nvSpPr>
+          <p:cNvPr id="15" name="TextBox 14">
+            <a:extLst>
+              <a:ext uri="{FF2B5EF4-FFF2-40B4-BE49-F238E27FC236}">
+                <a16:creationId xmlns:a16="http://schemas.microsoft.com/office/drawing/2014/main" id="{613807E7-1732-7058-8C27-90264D87108F}"/>
+              </a:ext>
+            </a:extLst>
+          </p:cNvPr>
+          <p:cNvSpPr txBox="1"/>
+          <p:nvPr/>
+        </p:nvSpPr>
+        <p:spPr>
+          <a:xfrm>
+            <a:off x="8236605" y="1932125"/>
+            <a:ext cx="506870" cy="276999"/>
+          </a:xfrm>
+          <a:prstGeom prst="rect">
+            <a:avLst/>
+          </a:prstGeom>
+          <a:noFill/>
+        </p:spPr>
+        <p:txBody>
+          <a:bodyPr wrap="none" rtlCol="0">
+            <a:spAutoFit/>
+          </a:bodyPr>
+          <a:lstStyle/>
+          <a:p>
             <a:r>
-              <a:rPr lang="en-US" sz="1600" b="1" i="1" dirty="0"/>
-              <a:t>How do POE’s compare?</a:t>
+              <a:rPr lang="en-US" sz="1200" b="1" dirty="0">
+                <a:latin typeface="Montserrat" panose="00000500000000000000" pitchFamily="2" charset="0"/>
+              </a:rPr>
+              <a:t>75%</a:t>
             </a:r>
-            <a:endParaRPr sz="1600" b="1" i="1" dirty="0"/>
           </a:p>
         </p:txBody>
       </p:sp>
@@ -13096,7 +13074,7 @@
 </p:sld>
 </file>
 
-<file path=ppt/slides/slide18.xml><?xml version="1.0" encoding="utf-8"?>
+<file path=ppt/slides/slide17.xml><?xml version="1.0" encoding="utf-8"?>
 <p:sld xmlns:a="http://schemas.openxmlformats.org/drawingml/2006/main" xmlns:r="http://schemas.openxmlformats.org/officeDocument/2006/relationships" xmlns:p="http://schemas.openxmlformats.org/presentationml/2006/main">
   <p:cSld>
     <p:spTree>
@@ -13168,7 +13146,7 @@
 </p:sld>
 </file>
 
-<file path=ppt/slides/slide19.xml><?xml version="1.0" encoding="utf-8"?>
+<file path=ppt/slides/slide18.xml><?xml version="1.0" encoding="utf-8"?>
 <p:sld xmlns:a="http://schemas.openxmlformats.org/drawingml/2006/main" xmlns:r="http://schemas.openxmlformats.org/officeDocument/2006/relationships" xmlns:p="http://schemas.openxmlformats.org/presentationml/2006/main">
   <p:cSld>
     <p:bg>
@@ -13272,6 +13250,153 @@
       <p:sp>
         <p:nvSpPr>
           <p:cNvPr id="253" name="Google Shape;253;p31"/>
+          <p:cNvSpPr txBox="1">
+            <a:spLocks noGrp="1"/>
+          </p:cNvSpPr>
+          <p:nvPr>
+            <p:ph type="body" idx="2"/>
+          </p:nvPr>
+        </p:nvSpPr>
+        <p:spPr>
+          <a:xfrm>
+            <a:off x="4933221" y="1567550"/>
+            <a:ext cx="3403200" cy="2911200"/>
+          </a:xfrm>
+          <a:prstGeom prst="rect">
+            <a:avLst/>
+          </a:prstGeom>
+        </p:spPr>
+        <p:txBody>
+          <a:bodyPr spcFirstLastPara="1" wrap="square" lIns="91425" tIns="91425" rIns="91425" bIns="91425" anchor="t" anchorCtr="0">
+            <a:normAutofit/>
+          </a:bodyPr>
+          <a:lstStyle/>
+          <a:p>
+            <a:pPr marL="0" lvl="0" indent="0" algn="l" rtl="0">
+              <a:spcBef>
+                <a:spcPts val="0"/>
+              </a:spcBef>
+              <a:spcAft>
+                <a:spcPts val="1200"/>
+              </a:spcAft>
+              <a:buNone/>
+            </a:pPr>
+            <a:endParaRPr/>
+          </a:p>
+        </p:txBody>
+      </p:sp>
+    </p:spTree>
+  </p:cSld>
+  <p:clrMapOvr>
+    <a:masterClrMapping/>
+  </p:clrMapOvr>
+</p:sld>
+</file>
+
+<file path=ppt/slides/slide19.xml><?xml version="1.0" encoding="utf-8"?>
+<p:sld xmlns:a="http://schemas.openxmlformats.org/drawingml/2006/main" xmlns:r="http://schemas.openxmlformats.org/officeDocument/2006/relationships" xmlns:p="http://schemas.openxmlformats.org/presentationml/2006/main">
+  <p:cSld>
+    <p:bg>
+      <p:bgPr>
+        <a:solidFill>
+          <a:schemeClr val="dk2"/>
+        </a:solidFill>
+        <a:effectLst/>
+      </p:bgPr>
+    </p:bg>
+    <p:spTree>
+      <p:nvGrpSpPr>
+        <p:cNvPr id="1" name="Shape 257"/>
+        <p:cNvGrpSpPr/>
+        <p:nvPr/>
+      </p:nvGrpSpPr>
+      <p:grpSpPr>
+        <a:xfrm>
+          <a:off x="0" y="0"/>
+          <a:ext cx="0" cy="0"/>
+          <a:chOff x="0" y="0"/>
+          <a:chExt cx="0" cy="0"/>
+        </a:xfrm>
+      </p:grpSpPr>
+      <p:sp>
+        <p:nvSpPr>
+          <p:cNvPr id="258" name="Google Shape;258;p32"/>
+          <p:cNvSpPr txBox="1">
+            <a:spLocks noGrp="1"/>
+          </p:cNvSpPr>
+          <p:nvPr>
+            <p:ph type="title"/>
+          </p:nvPr>
+        </p:nvSpPr>
+        <p:spPr>
+          <a:xfrm>
+            <a:off x="1297500" y="393750"/>
+            <a:ext cx="7038900" cy="914100"/>
+          </a:xfrm>
+          <a:prstGeom prst="rect">
+            <a:avLst/>
+          </a:prstGeom>
+        </p:spPr>
+        <p:txBody>
+          <a:bodyPr spcFirstLastPara="1" wrap="square" lIns="91425" tIns="91425" rIns="91425" bIns="91425" anchor="t" anchorCtr="0">
+            <a:normAutofit/>
+          </a:bodyPr>
+          <a:lstStyle/>
+          <a:p>
+            <a:pPr marL="0" lvl="0" indent="0" algn="l" rtl="0">
+              <a:spcBef>
+                <a:spcPts val="0"/>
+              </a:spcBef>
+              <a:spcAft>
+                <a:spcPts val="0"/>
+              </a:spcAft>
+              <a:buNone/>
+            </a:pPr>
+            <a:endParaRPr/>
+          </a:p>
+        </p:txBody>
+      </p:sp>
+      <p:sp>
+        <p:nvSpPr>
+          <p:cNvPr id="259" name="Google Shape;259;p32"/>
+          <p:cNvSpPr txBox="1">
+            <a:spLocks noGrp="1"/>
+          </p:cNvSpPr>
+          <p:nvPr>
+            <p:ph type="body" idx="1"/>
+          </p:nvPr>
+        </p:nvSpPr>
+        <p:spPr>
+          <a:xfrm>
+            <a:off x="1297500" y="1567550"/>
+            <a:ext cx="3403200" cy="2911200"/>
+          </a:xfrm>
+          <a:prstGeom prst="rect">
+            <a:avLst/>
+          </a:prstGeom>
+        </p:spPr>
+        <p:txBody>
+          <a:bodyPr spcFirstLastPara="1" wrap="square" lIns="91425" tIns="91425" rIns="91425" bIns="91425" anchor="t" anchorCtr="0">
+            <a:normAutofit/>
+          </a:bodyPr>
+          <a:lstStyle/>
+          <a:p>
+            <a:pPr marL="0" lvl="0" indent="0" algn="l" rtl="0">
+              <a:spcBef>
+                <a:spcPts val="0"/>
+              </a:spcBef>
+              <a:spcAft>
+                <a:spcPts val="1200"/>
+              </a:spcAft>
+              <a:buNone/>
+            </a:pPr>
+            <a:endParaRPr/>
+          </a:p>
+        </p:txBody>
+      </p:sp>
+      <p:sp>
+        <p:nvSpPr>
+          <p:cNvPr id="260" name="Google Shape;260;p32"/>
           <p:cNvSpPr txBox="1">
             <a:spLocks noGrp="1"/>
           </p:cNvSpPr>
@@ -13799,153 +13924,6 @@
     </p:bg>
     <p:spTree>
       <p:nvGrpSpPr>
-        <p:cNvPr id="1" name="Shape 257"/>
-        <p:cNvGrpSpPr/>
-        <p:nvPr/>
-      </p:nvGrpSpPr>
-      <p:grpSpPr>
-        <a:xfrm>
-          <a:off x="0" y="0"/>
-          <a:ext cx="0" cy="0"/>
-          <a:chOff x="0" y="0"/>
-          <a:chExt cx="0" cy="0"/>
-        </a:xfrm>
-      </p:grpSpPr>
-      <p:sp>
-        <p:nvSpPr>
-          <p:cNvPr id="258" name="Google Shape;258;p32"/>
-          <p:cNvSpPr txBox="1">
-            <a:spLocks noGrp="1"/>
-          </p:cNvSpPr>
-          <p:nvPr>
-            <p:ph type="title"/>
-          </p:nvPr>
-        </p:nvSpPr>
-        <p:spPr>
-          <a:xfrm>
-            <a:off x="1297500" y="393750"/>
-            <a:ext cx="7038900" cy="914100"/>
-          </a:xfrm>
-          <a:prstGeom prst="rect">
-            <a:avLst/>
-          </a:prstGeom>
-        </p:spPr>
-        <p:txBody>
-          <a:bodyPr spcFirstLastPara="1" wrap="square" lIns="91425" tIns="91425" rIns="91425" bIns="91425" anchor="t" anchorCtr="0">
-            <a:normAutofit/>
-          </a:bodyPr>
-          <a:lstStyle/>
-          <a:p>
-            <a:pPr marL="0" lvl="0" indent="0" algn="l" rtl="0">
-              <a:spcBef>
-                <a:spcPts val="0"/>
-              </a:spcBef>
-              <a:spcAft>
-                <a:spcPts val="0"/>
-              </a:spcAft>
-              <a:buNone/>
-            </a:pPr>
-            <a:endParaRPr/>
-          </a:p>
-        </p:txBody>
-      </p:sp>
-      <p:sp>
-        <p:nvSpPr>
-          <p:cNvPr id="259" name="Google Shape;259;p32"/>
-          <p:cNvSpPr txBox="1">
-            <a:spLocks noGrp="1"/>
-          </p:cNvSpPr>
-          <p:nvPr>
-            <p:ph type="body" idx="1"/>
-          </p:nvPr>
-        </p:nvSpPr>
-        <p:spPr>
-          <a:xfrm>
-            <a:off x="1297500" y="1567550"/>
-            <a:ext cx="3403200" cy="2911200"/>
-          </a:xfrm>
-          <a:prstGeom prst="rect">
-            <a:avLst/>
-          </a:prstGeom>
-        </p:spPr>
-        <p:txBody>
-          <a:bodyPr spcFirstLastPara="1" wrap="square" lIns="91425" tIns="91425" rIns="91425" bIns="91425" anchor="t" anchorCtr="0">
-            <a:normAutofit/>
-          </a:bodyPr>
-          <a:lstStyle/>
-          <a:p>
-            <a:pPr marL="0" lvl="0" indent="0" algn="l" rtl="0">
-              <a:spcBef>
-                <a:spcPts val="0"/>
-              </a:spcBef>
-              <a:spcAft>
-                <a:spcPts val="1200"/>
-              </a:spcAft>
-              <a:buNone/>
-            </a:pPr>
-            <a:endParaRPr/>
-          </a:p>
-        </p:txBody>
-      </p:sp>
-      <p:sp>
-        <p:nvSpPr>
-          <p:cNvPr id="260" name="Google Shape;260;p32"/>
-          <p:cNvSpPr txBox="1">
-            <a:spLocks noGrp="1"/>
-          </p:cNvSpPr>
-          <p:nvPr>
-            <p:ph type="body" idx="2"/>
-          </p:nvPr>
-        </p:nvSpPr>
-        <p:spPr>
-          <a:xfrm>
-            <a:off x="4933221" y="1567550"/>
-            <a:ext cx="3403200" cy="2911200"/>
-          </a:xfrm>
-          <a:prstGeom prst="rect">
-            <a:avLst/>
-          </a:prstGeom>
-        </p:spPr>
-        <p:txBody>
-          <a:bodyPr spcFirstLastPara="1" wrap="square" lIns="91425" tIns="91425" rIns="91425" bIns="91425" anchor="t" anchorCtr="0">
-            <a:normAutofit/>
-          </a:bodyPr>
-          <a:lstStyle/>
-          <a:p>
-            <a:pPr marL="0" lvl="0" indent="0" algn="l" rtl="0">
-              <a:spcBef>
-                <a:spcPts val="0"/>
-              </a:spcBef>
-              <a:spcAft>
-                <a:spcPts val="1200"/>
-              </a:spcAft>
-              <a:buNone/>
-            </a:pPr>
-            <a:endParaRPr/>
-          </a:p>
-        </p:txBody>
-      </p:sp>
-    </p:spTree>
-  </p:cSld>
-  <p:clrMapOvr>
-    <a:masterClrMapping/>
-  </p:clrMapOvr>
-</p:sld>
-</file>
-
-<file path=ppt/slides/slide21.xml><?xml version="1.0" encoding="utf-8"?>
-<p:sld xmlns:a="http://schemas.openxmlformats.org/drawingml/2006/main" xmlns:r="http://schemas.openxmlformats.org/officeDocument/2006/relationships" xmlns:p="http://schemas.openxmlformats.org/presentationml/2006/main">
-  <p:cSld>
-    <p:bg>
-      <p:bgPr>
-        <a:solidFill>
-          <a:schemeClr val="dk2"/>
-        </a:solidFill>
-        <a:effectLst/>
-      </p:bgPr>
-    </p:bg>
-    <p:spTree>
-      <p:nvGrpSpPr>
         <p:cNvPr id="1" name="Shape 264"/>
         <p:cNvGrpSpPr/>
         <p:nvPr/>
@@ -14080,7 +14058,7 @@
 </p:sld>
 </file>
 
-<file path=ppt/slides/slide22.xml><?xml version="1.0" encoding="utf-8"?>
+<file path=ppt/slides/slide21.xml><?xml version="1.0" encoding="utf-8"?>
 <p:sld xmlns:a="http://schemas.openxmlformats.org/drawingml/2006/main" xmlns:r="http://schemas.openxmlformats.org/officeDocument/2006/relationships" xmlns:p="http://schemas.openxmlformats.org/presentationml/2006/main">
   <p:cSld>
     <p:spTree>
@@ -14152,7 +14130,7 @@
 </p:sld>
 </file>
 
-<file path=ppt/slides/slide23.xml><?xml version="1.0" encoding="utf-8"?>
+<file path=ppt/slides/slide22.xml><?xml version="1.0" encoding="utf-8"?>
 <p:sld xmlns:a="http://schemas.openxmlformats.org/drawingml/2006/main" xmlns:r="http://schemas.openxmlformats.org/officeDocument/2006/relationships" xmlns:p="http://schemas.openxmlformats.org/presentationml/2006/main">
   <p:cSld>
     <p:bg>
@@ -14299,7 +14277,7 @@
 </p:sld>
 </file>
 
-<file path=ppt/slides/slide24.xml><?xml version="1.0" encoding="utf-8"?>
+<file path=ppt/slides/slide23.xml><?xml version="1.0" encoding="utf-8"?>
 <p:sld xmlns:a="http://schemas.openxmlformats.org/drawingml/2006/main" xmlns:r="http://schemas.openxmlformats.org/officeDocument/2006/relationships" xmlns:p="http://schemas.openxmlformats.org/presentationml/2006/main">
   <p:cSld>
     <p:bg>
@@ -14446,7 +14424,7 @@
 </p:sld>
 </file>
 
-<file path=ppt/slides/slide25.xml><?xml version="1.0" encoding="utf-8"?>
+<file path=ppt/slides/slide24.xml><?xml version="1.0" encoding="utf-8"?>
 <p:sld xmlns:a="http://schemas.openxmlformats.org/drawingml/2006/main" xmlns:r="http://schemas.openxmlformats.org/officeDocument/2006/relationships" xmlns:p="http://schemas.openxmlformats.org/presentationml/2006/main">
   <p:cSld>
     <p:bg>
@@ -14593,7 +14571,7 @@
 </p:sld>
 </file>
 
-<file path=ppt/slides/slide26.xml><?xml version="1.0" encoding="utf-8"?>
+<file path=ppt/slides/slide25.xml><?xml version="1.0" encoding="utf-8"?>
 <p:sld xmlns:a="http://schemas.openxmlformats.org/drawingml/2006/main" xmlns:r="http://schemas.openxmlformats.org/officeDocument/2006/relationships" xmlns:p="http://schemas.openxmlformats.org/presentationml/2006/main">
   <p:cSld>
     <p:spTree>
